--- a/Predicting Wine Quality.pptx
+++ b/Predicting Wine Quality.pptx
@@ -11,7 +11,8 @@
     <p:sldId id="262" r:id="rId5"/>
     <p:sldId id="259" r:id="rId6"/>
     <p:sldId id="260" r:id="rId7"/>
-    <p:sldId id="261" r:id="rId8"/>
+    <p:sldId id="263" r:id="rId8"/>
+    <p:sldId id="261" r:id="rId9"/>
   </p:sldIdLst>
   <p:sldSz cx="12192000" cy="6858000"/>
   <p:notesSz cx="6858000" cy="9144000"/>
@@ -111,6 +112,61 @@
     </a:lvl9pPr>
   </p:defaultTextStyle>
 </p:presentation>
+</file>
+
+<file path=ppt/ink/ink1.xml><?xml version="1.0" encoding="utf-8"?>
+<inkml:ink xmlns:inkml="http://www.w3.org/2003/InkML">
+  <inkml:definitions>
+    <inkml:context xml:id="ctx0">
+      <inkml:inkSource xml:id="inkSrc0">
+        <inkml:traceFormat>
+          <inkml:channel name="X" type="integer" min="-2.14748E9" max="2.14748E9" units="cm"/>
+          <inkml:channel name="Y" type="integer" min="-2.14748E9" max="2.14748E9" units="cm"/>
+        </inkml:traceFormat>
+        <inkml:channelProperties>
+          <inkml:channelProperty channel="X" name="resolution" value="1000" units="1/cm"/>
+          <inkml:channelProperty channel="Y" name="resolution" value="1000" units="1/cm"/>
+        </inkml:channelProperties>
+      </inkml:inkSource>
+      <inkml:timestamp xml:id="ts0" timeString="2019-08-10T18:50:45.607"/>
+    </inkml:context>
+    <inkml:brush xml:id="br0">
+      <inkml:brushProperty name="width" value="0.05" units="cm"/>
+      <inkml:brushProperty name="height" value="0.05" units="cm"/>
+      <inkml:brushProperty name="color" value="#E71224"/>
+      <inkml:brushProperty name="ignorePressure" value="1"/>
+    </inkml:brush>
+  </inkml:definitions>
+  <inkml:trace contextRef="#ctx0" brushRef="#br0">6240 2,'-249'-2,"-201"27,-45-3,-23-21,63 6,63 1,141-10,-87 0,-133 24,-841 133,1161-130,-246 45,282-45,1 6,-46 22,129-41,1 0,0 3,1 0,0 2,2 1,0 1,-1 3,15-11,0 1,1 0,1 1,0 1,1-1,0 2,1-1,1 1,0 1,1-1,0 1,2 1,0-1,-1 9,4-16,0 1,1 0,1 0,0 0,0 0,1 0,0-1,1 1,0 0,0-1,1 1,0-1,3 6,1-2,0 0,1 0,1-1,0 0,0-1,1 0,1 0,6 5,20 12,1-1,1-2,2-1,0-2,13 3,26 10,2-4,1-4,2-2,258 52,116-10,-305-48,-41-4,701 86,-575-82,2-10,140-16,478-64,209-75,-774 88,-3-13,168-69,-167 28,-237 88,-2-3,-1-3,-1-1,9-10,-45 29,1 0,-2-1,0-1,0 0,-2 0,1-2,-2 1,4-9,-11 18,-1 0,0 0,0-1,-1 1,0-1,0 0,0 1,-1-1,0 0,0 0,-1 0,0 0,0 0,-1 0,0 0,0 0,0 1,-1-1,0 0,0 1,-1-1,0 1,0 0,-4-6,-4-4,-1 1,-1 0,0 1,-1 0,-1 1,0 1,0 0,-9-4,-35-20,-45-20,88 48,-92-45,-2 5,-3 4,-24-2,57 24,0 3,-1 3,0 4,-1 4,-11 2,34 6</inkml:trace>
+</inkml:ink>
+</file>
+
+<file path=ppt/ink/ink2.xml><?xml version="1.0" encoding="utf-8"?>
+<inkml:ink xmlns:inkml="http://www.w3.org/2003/InkML">
+  <inkml:definitions>
+    <inkml:context xml:id="ctx0">
+      <inkml:inkSource xml:id="inkSrc0">
+        <inkml:traceFormat>
+          <inkml:channel name="X" type="integer" min="-2.14748E9" max="2.14748E9" units="cm"/>
+          <inkml:channel name="Y" type="integer" min="-2.14748E9" max="2.14748E9" units="cm"/>
+        </inkml:traceFormat>
+        <inkml:channelProperties>
+          <inkml:channelProperty channel="X" name="resolution" value="1000" units="1/cm"/>
+          <inkml:channelProperty channel="Y" name="resolution" value="1000" units="1/cm"/>
+        </inkml:channelProperties>
+      </inkml:inkSource>
+      <inkml:timestamp xml:id="ts0" timeString="2019-08-10T18:50:50.420"/>
+    </inkml:context>
+    <inkml:brush xml:id="br0">
+      <inkml:brushProperty name="width" value="0.05" units="cm"/>
+      <inkml:brushProperty name="height" value="0.05" units="cm"/>
+      <inkml:brushProperty name="color" value="#E71224"/>
+      <inkml:brushProperty name="ignorePressure" value="1"/>
+    </inkml:brush>
+  </inkml:definitions>
+  <inkml:trace contextRef="#ctx0" brushRef="#br0">0 2650,'73'-165,"7"4,66-96,-77 152,4 3,4 3,5 4,25-19,75-59,6 7,8 9,6 9,183-99,-160 119,6 10,239-85,-340 156,2 6,2 5,1 6,1 7,1 5,63 3,-138 14,-1 2,1 3,-1 2,0 3,0 3,36 13,-67-16,-1 2,0 1,-1 1,0 1,-1 2,-1 0,0 2,-2 1,0 1,-1 1,-1 1,0 1,17 25,-11-4,-1 1,-2 2,-2 0,8 28,63 204,-62-178,121 424,-145-497,1-1,1 0,2 0,0-1,2 0,0-1,7 7,-19-29,0 1,-1 0,1 0,-1 0,0 0,0 0,0 0,0 1,-1-1,0 0,0 0,0 1,0-1,-1 0,1 0,-1 0,0 0,-1 2,-3 13</inkml:trace>
+  <inkml:trace contextRef="#ctx0" brushRef="#br0" timeOffset="441.386">3711 1600,'652'330,"14"-32,-641-288,38 16,1-3,37 7,-83-25,0-2,0 0,0 0,0-2,0 0,0-2,0 0,0 0,0-2,0 0,16-6,-23 5,-2-1,1 0,0-1,-1 0,0 0,-1-1,1 0,-1-1,-1 0,1 0,-1 0,-1-1,0 0,0 0,-1-1,0 0,0 0,2-10,8-22,-2-2,-3 0,6-45,-11 60,6-61,-3 0,-4-29,1-29,2 72,3 1,3 0,6-7,-10 61,-7 17</inkml:trace>
+</inkml:ink>
 </file>
 
 <file path=ppt/slideLayouts/slideLayout1.xml><?xml version="1.0" encoding="utf-8"?>
@@ -13311,11 +13367,11 @@
           <a:p>
             <a:r>
               <a:rPr lang="en-US" dirty="0"/>
-              <a:t>Using Seaborn, </a:t>
+              <a:t>Using Seaborn, MAT </a:t>
             </a:r>
             <a:r>
               <a:rPr lang="en-US" dirty="0" err="1"/>
-              <a:t>MATplotlib</a:t>
+              <a:t>plotlib</a:t>
             </a:r>
             <a:r>
               <a:rPr lang="en-US" dirty="0"/>
@@ -13491,15 +13547,7 @@
           <a:p>
             <a:r>
               <a:rPr lang="en-US" dirty="0"/>
-              <a:t>Wine quality is measured on 0</a:t>
-            </a:r>
-            <a:r>
-              <a:rPr lang="en-US"/>
-              <a:t>(low)-</a:t>
-            </a:r>
-            <a:r>
-              <a:rPr lang="en-US" dirty="0"/>
-              <a:t>10(high)</a:t>
+              <a:t>Wine quality is measured on 0(low)-10(high)</a:t>
             </a:r>
           </a:p>
           <a:p>
@@ -14965,6 +15013,288 @@
 </file>
 
 <file path=ppt/slides/slide7.xml><?xml version="1.0" encoding="utf-8"?>
+<p:sld xmlns:a="http://schemas.openxmlformats.org/drawingml/2006/main" xmlns:r="http://schemas.openxmlformats.org/officeDocument/2006/relationships" xmlns:p="http://schemas.openxmlformats.org/presentationml/2006/main">
+  <p:cSld>
+    <p:spTree>
+      <p:nvGrpSpPr>
+        <p:cNvPr id="1" name=""/>
+        <p:cNvGrpSpPr/>
+        <p:nvPr/>
+      </p:nvGrpSpPr>
+      <p:grpSpPr>
+        <a:xfrm>
+          <a:off x="0" y="0"/>
+          <a:ext cx="0" cy="0"/>
+          <a:chOff x="0" y="0"/>
+          <a:chExt cx="0" cy="0"/>
+        </a:xfrm>
+      </p:grpSpPr>
+      <p:sp>
+        <p:nvSpPr>
+          <p:cNvPr id="2" name="Title 1">
+            <a:extLst>
+              <a:ext uri="{FF2B5EF4-FFF2-40B4-BE49-F238E27FC236}">
+                <a16:creationId xmlns:a16="http://schemas.microsoft.com/office/drawing/2014/main" id="{5FF760F2-8C19-4A3D-9248-F458271DA2C6}"/>
+              </a:ext>
+            </a:extLst>
+          </p:cNvPr>
+          <p:cNvSpPr>
+            <a:spLocks noGrp="1"/>
+          </p:cNvSpPr>
+          <p:nvPr>
+            <p:ph type="title"/>
+          </p:nvPr>
+        </p:nvSpPr>
+        <p:spPr/>
+        <p:txBody>
+          <a:bodyPr/>
+          <a:lstStyle/>
+          <a:p>
+            <a:r>
+              <a:rPr lang="en-US" dirty="0"/>
+              <a:t>Modeling</a:t>
+            </a:r>
+          </a:p>
+        </p:txBody>
+      </p:sp>
+      <p:sp>
+        <p:nvSpPr>
+          <p:cNvPr id="3" name="Content Placeholder 2">
+            <a:extLst>
+              <a:ext uri="{FF2B5EF4-FFF2-40B4-BE49-F238E27FC236}">
+                <a16:creationId xmlns:a16="http://schemas.microsoft.com/office/drawing/2014/main" id="{352543E4-FCF3-4A98-83AD-4D046A640965}"/>
+              </a:ext>
+            </a:extLst>
+          </p:cNvPr>
+          <p:cNvSpPr>
+            <a:spLocks noGrp="1"/>
+          </p:cNvSpPr>
+          <p:nvPr>
+            <p:ph idx="1"/>
+          </p:nvPr>
+        </p:nvSpPr>
+        <p:spPr/>
+        <p:txBody>
+          <a:bodyPr/>
+          <a:lstStyle/>
+          <a:p>
+            <a:pPr marL="0" indent="0">
+              <a:buNone/>
+            </a:pPr>
+            <a:r>
+              <a:rPr lang="en-US" dirty="0"/>
+              <a:t>Proceed with Modelling. I will use the following algorithms</a:t>
+            </a:r>
+          </a:p>
+          <a:p>
+            <a:r>
+              <a:rPr lang="en-US" dirty="0"/>
+              <a:t>Logistic Regression</a:t>
+            </a:r>
+          </a:p>
+          <a:p>
+            <a:r>
+              <a:rPr lang="en-US" dirty="0"/>
+              <a:t>Decision Trees</a:t>
+            </a:r>
+          </a:p>
+          <a:p>
+            <a:r>
+              <a:rPr lang="en-US" dirty="0"/>
+              <a:t>Naive Bayes</a:t>
+            </a:r>
+          </a:p>
+          <a:p>
+            <a:r>
+              <a:rPr lang="en-US" dirty="0"/>
+              <a:t>Random Forests</a:t>
+            </a:r>
+          </a:p>
+          <a:p>
+            <a:r>
+              <a:rPr lang="en-US" dirty="0"/>
+              <a:t>SVM</a:t>
+            </a:r>
+          </a:p>
+          <a:p>
+            <a:endParaRPr lang="en-US" dirty="0"/>
+          </a:p>
+        </p:txBody>
+      </p:sp>
+      <mc:AlternateContent xmlns:mc="http://schemas.openxmlformats.org/markup-compatibility/2006">
+        <mc:Choice xmlns:p14="http://schemas.microsoft.com/office/powerpoint/2010/main" Requires="p14">
+          <p:contentPart p14:bwMode="auto" r:id="rId2">
+            <p14:nvContentPartPr>
+              <p14:cNvPr id="4" name="Ink 3">
+                <a:extLst>
+                  <a:ext uri="{FF2B5EF4-FFF2-40B4-BE49-F238E27FC236}">
+                    <a16:creationId xmlns:a16="http://schemas.microsoft.com/office/drawing/2014/main" id="{FEDE1946-A186-4972-A2F0-803D510C494E}"/>
+                  </a:ext>
+                </a:extLst>
+              </p14:cNvPr>
+              <p14:cNvContentPartPr/>
+              <p14:nvPr/>
+            </p14:nvContentPartPr>
+            <p14:xfrm>
+              <a:off x="1188137" y="4150509"/>
+              <a:ext cx="2561040" cy="584640"/>
+            </p14:xfrm>
+          </p:contentPart>
+        </mc:Choice>
+        <mc:Fallback>
+          <p:pic>
+            <p:nvPicPr>
+              <p:cNvPr id="4" name="Ink 3">
+                <a:extLst>
+                  <a:ext uri="{FF2B5EF4-FFF2-40B4-BE49-F238E27FC236}">
+                    <a16:creationId xmlns:a16="http://schemas.microsoft.com/office/drawing/2014/main" id="{FEDE1946-A186-4972-A2F0-803D510C494E}"/>
+                  </a:ext>
+                </a:extLst>
+              </p:cNvPr>
+              <p:cNvPicPr/>
+              <p:nvPr/>
+            </p:nvPicPr>
+            <p:blipFill>
+              <a:blip r:embed="rId3"/>
+              <a:stretch>
+                <a:fillRect/>
+              </a:stretch>
+            </p:blipFill>
+            <p:spPr>
+              <a:xfrm>
+                <a:off x="1179497" y="4141509"/>
+                <a:ext cx="2578680" cy="602280"/>
+              </a:xfrm>
+              <a:prstGeom prst="rect">
+                <a:avLst/>
+              </a:prstGeom>
+            </p:spPr>
+          </p:pic>
+        </mc:Fallback>
+      </mc:AlternateContent>
+      <mc:AlternateContent xmlns:mc="http://schemas.openxmlformats.org/markup-compatibility/2006">
+        <mc:Choice xmlns:p14="http://schemas.microsoft.com/office/powerpoint/2010/main" Requires="p14">
+          <p:contentPart p14:bwMode="auto" r:id="rId4">
+            <p14:nvContentPartPr>
+              <p14:cNvPr id="7" name="Ink 6">
+                <a:extLst>
+                  <a:ext uri="{FF2B5EF4-FFF2-40B4-BE49-F238E27FC236}">
+                    <a16:creationId xmlns:a16="http://schemas.microsoft.com/office/drawing/2014/main" id="{438C3C34-2C4A-4001-B7A6-C8BA5706D2DF}"/>
+                  </a:ext>
+                </a:extLst>
+              </p14:cNvPr>
+              <p14:cNvContentPartPr/>
+              <p14:nvPr/>
+            </p14:nvContentPartPr>
+            <p14:xfrm>
+              <a:off x="3966977" y="3409269"/>
+              <a:ext cx="2090520" cy="954000"/>
+            </p14:xfrm>
+          </p:contentPart>
+        </mc:Choice>
+        <mc:Fallback>
+          <p:pic>
+            <p:nvPicPr>
+              <p:cNvPr id="7" name="Ink 6">
+                <a:extLst>
+                  <a:ext uri="{FF2B5EF4-FFF2-40B4-BE49-F238E27FC236}">
+                    <a16:creationId xmlns:a16="http://schemas.microsoft.com/office/drawing/2014/main" id="{438C3C34-2C4A-4001-B7A6-C8BA5706D2DF}"/>
+                  </a:ext>
+                </a:extLst>
+              </p:cNvPr>
+              <p:cNvPicPr/>
+              <p:nvPr/>
+            </p:nvPicPr>
+            <p:blipFill>
+              <a:blip r:embed="rId5"/>
+              <a:stretch>
+                <a:fillRect/>
+              </a:stretch>
+            </p:blipFill>
+            <p:spPr>
+              <a:xfrm>
+                <a:off x="3957977" y="3400629"/>
+                <a:ext cx="2108160" cy="971640"/>
+              </a:xfrm>
+              <a:prstGeom prst="rect">
+                <a:avLst/>
+              </a:prstGeom>
+            </p:spPr>
+          </p:pic>
+        </mc:Fallback>
+      </mc:AlternateContent>
+      <p:pic>
+        <p:nvPicPr>
+          <p:cNvPr id="14" name="Picture 13">
+            <a:extLst>
+              <a:ext uri="{FF2B5EF4-FFF2-40B4-BE49-F238E27FC236}">
+                <a16:creationId xmlns:a16="http://schemas.microsoft.com/office/drawing/2014/main" id="{779D6641-42FA-4A9C-A5E8-7F908BED914C}"/>
+              </a:ext>
+            </a:extLst>
+          </p:cNvPr>
+          <p:cNvPicPr>
+            <a:picLocks noChangeAspect="1"/>
+          </p:cNvPicPr>
+          <p:nvPr/>
+        </p:nvPicPr>
+        <p:blipFill rotWithShape="1">
+          <a:blip r:embed="rId6"/>
+          <a:srcRect l="6171" t="10617" r="8014" b="10800"/>
+          <a:stretch/>
+        </p:blipFill>
+        <p:spPr>
+          <a:xfrm>
+            <a:off x="3966977" y="4442829"/>
+            <a:ext cx="3976171" cy="2047091"/>
+          </a:xfrm>
+          <a:prstGeom prst="rect">
+            <a:avLst/>
+          </a:prstGeom>
+        </p:spPr>
+      </p:pic>
+      <p:pic>
+        <p:nvPicPr>
+          <p:cNvPr id="15" name="Picture 14">
+            <a:extLst>
+              <a:ext uri="{FF2B5EF4-FFF2-40B4-BE49-F238E27FC236}">
+                <a16:creationId xmlns:a16="http://schemas.microsoft.com/office/drawing/2014/main" id="{C723FB6D-7FD3-4767-9B59-7A7B2449747B}"/>
+              </a:ext>
+            </a:extLst>
+          </p:cNvPr>
+          <p:cNvPicPr>
+            <a:picLocks noChangeAspect="1"/>
+          </p:cNvPicPr>
+          <p:nvPr/>
+        </p:nvPicPr>
+        <p:blipFill rotWithShape="1">
+          <a:blip r:embed="rId7"/>
+          <a:srcRect l="12369" t="6903" r="7228" b="13792"/>
+          <a:stretch/>
+        </p:blipFill>
+        <p:spPr>
+          <a:xfrm>
+            <a:off x="8287656" y="4207769"/>
+            <a:ext cx="3396343" cy="2047091"/>
+          </a:xfrm>
+          <a:prstGeom prst="rect">
+            <a:avLst/>
+          </a:prstGeom>
+        </p:spPr>
+      </p:pic>
+    </p:spTree>
+    <p:extLst>
+      <p:ext uri="{BB962C8B-B14F-4D97-AF65-F5344CB8AC3E}">
+        <p14:creationId xmlns:p14="http://schemas.microsoft.com/office/powerpoint/2010/main" val="686308225"/>
+      </p:ext>
+    </p:extLst>
+  </p:cSld>
+  <p:clrMapOvr>
+    <a:masterClrMapping/>
+  </p:clrMapOvr>
+</p:sld>
+</file>
+
+<file path=ppt/slides/slide8.xml><?xml version="1.0" encoding="utf-8"?>
 <p:sld xmlns:a="http://schemas.openxmlformats.org/drawingml/2006/main" xmlns:r="http://schemas.openxmlformats.org/officeDocument/2006/relationships" xmlns:p="http://schemas.openxmlformats.org/presentationml/2006/main">
   <p:cSld>
     <p:spTree>
